--- a/00 - tech-ecosystem/00 - Tech_Ecosystem_Flow.pptx
+++ b/00 - tech-ecosystem/00 - Tech_Ecosystem_Flow.pptx
@@ -5,13 +5,14 @@
     <p:sldMasterId id="2147483701" r:id="rId4"/>
   </p:sldMasterIdLst>
   <p:notesMasterIdLst>
-    <p:notesMasterId r:id="rId6"/>
+    <p:notesMasterId r:id="rId7"/>
   </p:notesMasterIdLst>
   <p:handoutMasterIdLst>
-    <p:handoutMasterId r:id="rId7"/>
+    <p:handoutMasterId r:id="rId8"/>
   </p:handoutMasterIdLst>
   <p:sldIdLst>
     <p:sldId id="381" r:id="rId5"/>
+    <p:sldId id="383" r:id="rId6"/>
   </p:sldIdLst>
   <p:sldSz cx="9144000" cy="6858000" type="screen4x3"/>
   <p:notesSz cx="7010400" cy="9296400"/>
@@ -139,11 +140,11 @@
     <p1510:client id="{32D4EF42-8778-6BC3-DBF9-B9E6A3436216}" v="3" dt="2020-01-06T21:41:15.208"/>
     <p1510:client id="{5312469F-73BF-CF35-FD3F-62147AB8DDBE}" v="1" dt="2019-08-23T17:43:25.328"/>
     <p1510:client id="{5E0143F3-189A-9A0C-E1C6-6401F8EAC949}" v="4" dt="2019-09-17T18:51:07.588"/>
+    <p1510:client id="{A6230F15-0703-28FC-D7E7-514679AF4187}" v="651" dt="2019-09-17T16:57:55.466"/>
     <p1510:client id="{FF4ED963-AC2F-FC2F-A5A7-CDD402E0CEBC}" v="5" dt="2019-08-26T20:22:20.497"/>
     <p1510:client id="{60855AC9-8FAD-892B-0EC2-AA21D2A716B6}" v="8" dt="2019-10-30T20:19:58.581"/>
-    <p1510:client id="{A6230F15-0703-28FC-D7E7-514679AF4187}" v="651" dt="2019-09-17T16:57:55.466"/>
+    <p1510:client id="{C1BE7D8E-288E-AA5E-A7D5-9C3FD7450598}" v="599" dt="2019-09-24T14:30:23.015"/>
     <p1510:client id="{7D6DF248-275D-4E10-F5C9-EDED0DC72B97}" v="872" dt="2020-01-16T00:04:10.076"/>
-    <p1510:client id="{C1BE7D8E-288E-AA5E-A7D5-9C3FD7450598}" v="599" dt="2019-09-24T14:30:23.015"/>
     <p1510:client id="{BE9DAE36-C8B2-EC64-ED9F-7C3ADE0340B9}" v="6" dt="2019-10-03T20:21:19.699"/>
     <p1510:client id="{D163C2E3-8AEE-DB88-0F3B-AE7B2C8E02E9}" v="2117" dt="2019-10-03T20:19:25.258"/>
     <p1510:client id="{F39BD64D-78E5-C7B4-16AC-3386E18020FA}" v="2" dt="2019-09-30T13:32:22.753"/>
@@ -233,7 +234,7 @@
           <a:p>
             <a:fld id="{C715D515-9233-FE42-9E4B-80293B8EE2F5}" type="datetimeFigureOut">
               <a:rPr lang="en-US" smtClean="0"/>
-              <a:t>2/14/2020</a:t>
+              <a:t>2/18/2020</a:t>
             </a:fld>
             <a:endParaRPr lang="en-US" dirty="0"/>
           </a:p>
@@ -398,7 +399,7 @@
           <a:p>
             <a:fld id="{8B8178DB-66E3-49AE-B4D1-0678563B2251}" type="datetimeFigureOut">
               <a:rPr lang="en-US" smtClean="0"/>
-              <a:t>2/14/2020</a:t>
+              <a:t>2/18/2020</a:t>
             </a:fld>
             <a:endParaRPr lang="en-US" dirty="0"/>
           </a:p>
@@ -12039,6 +12040,825 @@
     <p:extLst>
       <p:ext uri="{BB962C8B-B14F-4D97-AF65-F5344CB8AC3E}">
         <p14:creationId xmlns:p14="http://schemas.microsoft.com/office/powerpoint/2010/main" val="4076324822"/>
+      </p:ext>
+    </p:extLst>
+  </p:cSld>
+  <p:clrMapOvr>
+    <a:masterClrMapping/>
+  </p:clrMapOvr>
+</p:sld>
+</file>
+
+<file path=ppt/slides/slide2.xml><?xml version="1.0" encoding="utf-8"?>
+<p:sld xmlns:a="http://schemas.openxmlformats.org/drawingml/2006/main" xmlns:r="http://schemas.openxmlformats.org/officeDocument/2006/relationships" xmlns:p="http://schemas.openxmlformats.org/presentationml/2006/main">
+  <p:cSld>
+    <p:spTree>
+      <p:nvGrpSpPr>
+        <p:cNvPr id="1" name=""/>
+        <p:cNvGrpSpPr/>
+        <p:nvPr/>
+      </p:nvGrpSpPr>
+      <p:grpSpPr>
+        <a:xfrm>
+          <a:off x="0" y="0"/>
+          <a:ext cx="0" cy="0"/>
+          <a:chOff x="0" y="0"/>
+          <a:chExt cx="0" cy="0"/>
+        </a:xfrm>
+      </p:grpSpPr>
+      <p:sp>
+        <p:nvSpPr>
+          <p:cNvPr id="4" name="Slide Number Placeholder 3">
+            <a:extLst>
+              <a:ext uri="{FF2B5EF4-FFF2-40B4-BE49-F238E27FC236}">
+                <a16:creationId xmlns:a16="http://schemas.microsoft.com/office/drawing/2014/main" id="{6483D798-8F7F-4BC5-A91D-2A30245D21BF}"/>
+              </a:ext>
+            </a:extLst>
+          </p:cNvPr>
+          <p:cNvSpPr>
+            <a:spLocks noGrp="1"/>
+          </p:cNvSpPr>
+          <p:nvPr>
+            <p:ph type="sldNum" sz="quarter" idx="4"/>
+          </p:nvPr>
+        </p:nvSpPr>
+        <p:spPr/>
+        <p:txBody>
+          <a:bodyPr/>
+          <a:lstStyle/>
+          <a:p>
+            <a:fld id="{31E52883-3140-9E4D-BAE9-A1928EE402DB}" type="slidenum">
+              <a:rPr lang="en-US" smtClean="0"/>
+              <a:pPr/>
+              <a:t>2</a:t>
+            </a:fld>
+            <a:endParaRPr lang="en-US" dirty="0"/>
+          </a:p>
+        </p:txBody>
+      </p:sp>
+      <p:pic>
+        <p:nvPicPr>
+          <p:cNvPr id="7" name="Graphic 6" descr="Web design">
+            <a:extLst>
+              <a:ext uri="{FF2B5EF4-FFF2-40B4-BE49-F238E27FC236}">
+                <a16:creationId xmlns:a16="http://schemas.microsoft.com/office/drawing/2014/main" id="{CC46AE1E-9355-43E9-A4D3-4AC311CF9E85}"/>
+              </a:ext>
+            </a:extLst>
+          </p:cNvPr>
+          <p:cNvPicPr>
+            <a:picLocks noChangeAspect="1"/>
+          </p:cNvPicPr>
+          <p:nvPr/>
+        </p:nvPicPr>
+        <p:blipFill>
+          <a:blip r:embed="rId2">
+            <a:extLst>
+              <a:ext uri="{96DAC541-7B7A-43D3-8B79-37D633B846F1}">
+                <asvg:svgBlip xmlns:asvg="http://schemas.microsoft.com/office/drawing/2016/SVG/main" r:embed="rId3"/>
+              </a:ext>
+            </a:extLst>
+          </a:blip>
+          <a:stretch>
+            <a:fillRect/>
+          </a:stretch>
+        </p:blipFill>
+        <p:spPr>
+          <a:xfrm>
+            <a:off x="773082" y="1446455"/>
+            <a:ext cx="914400" cy="914400"/>
+          </a:xfrm>
+          <a:prstGeom prst="rect">
+            <a:avLst/>
+          </a:prstGeom>
+        </p:spPr>
+      </p:pic>
+      <p:pic>
+        <p:nvPicPr>
+          <p:cNvPr id="9" name="Graphic 8" descr="Syncing cloud">
+            <a:extLst>
+              <a:ext uri="{FF2B5EF4-FFF2-40B4-BE49-F238E27FC236}">
+                <a16:creationId xmlns:a16="http://schemas.microsoft.com/office/drawing/2014/main" id="{1A299A53-D8F6-4E1C-AC20-5B7154EE5574}"/>
+              </a:ext>
+            </a:extLst>
+          </p:cNvPr>
+          <p:cNvPicPr>
+            <a:picLocks noChangeAspect="1"/>
+          </p:cNvPicPr>
+          <p:nvPr/>
+        </p:nvPicPr>
+        <p:blipFill>
+          <a:blip r:embed="rId4">
+            <a:extLst>
+              <a:ext uri="{96DAC541-7B7A-43D3-8B79-37D633B846F1}">
+                <asvg:svgBlip xmlns:asvg="http://schemas.microsoft.com/office/drawing/2016/SVG/main" r:embed="rId5"/>
+              </a:ext>
+            </a:extLst>
+          </a:blip>
+          <a:stretch>
+            <a:fillRect/>
+          </a:stretch>
+        </p:blipFill>
+        <p:spPr>
+          <a:xfrm>
+            <a:off x="773082" y="2580422"/>
+            <a:ext cx="914400" cy="914400"/>
+          </a:xfrm>
+          <a:prstGeom prst="rect">
+            <a:avLst/>
+          </a:prstGeom>
+        </p:spPr>
+      </p:pic>
+      <p:sp>
+        <p:nvSpPr>
+          <p:cNvPr id="10" name="TextBox 9">
+            <a:extLst>
+              <a:ext uri="{FF2B5EF4-FFF2-40B4-BE49-F238E27FC236}">
+                <a16:creationId xmlns:a16="http://schemas.microsoft.com/office/drawing/2014/main" id="{7E4CC2F9-F77A-4E2B-AC0A-55A8C2C9145D}"/>
+              </a:ext>
+            </a:extLst>
+          </p:cNvPr>
+          <p:cNvSpPr txBox="1"/>
+          <p:nvPr/>
+        </p:nvSpPr>
+        <p:spPr>
+          <a:xfrm>
+            <a:off x="899101" y="2285137"/>
+            <a:ext cx="662361" cy="276999"/>
+          </a:xfrm>
+          <a:prstGeom prst="rect">
+            <a:avLst/>
+          </a:prstGeom>
+          <a:noFill/>
+        </p:spPr>
+        <p:txBody>
+          <a:bodyPr wrap="none" rtlCol="0">
+            <a:spAutoFit/>
+          </a:bodyPr>
+          <a:lstStyle/>
+          <a:p>
+            <a:r>
+              <a:rPr lang="en-US" sz="1200" dirty="0"/>
+              <a:t>Python</a:t>
+            </a:r>
+          </a:p>
+        </p:txBody>
+      </p:sp>
+      <p:sp>
+        <p:nvSpPr>
+          <p:cNvPr id="11" name="TextBox 10">
+            <a:extLst>
+              <a:ext uri="{FF2B5EF4-FFF2-40B4-BE49-F238E27FC236}">
+                <a16:creationId xmlns:a16="http://schemas.microsoft.com/office/drawing/2014/main" id="{3E8438D6-7234-4767-9936-D5BE58C3710A}"/>
+              </a:ext>
+            </a:extLst>
+          </p:cNvPr>
+          <p:cNvSpPr txBox="1"/>
+          <p:nvPr/>
+        </p:nvSpPr>
+        <p:spPr>
+          <a:xfrm>
+            <a:off x="911048" y="3322461"/>
+            <a:ext cx="662361" cy="276999"/>
+          </a:xfrm>
+          <a:prstGeom prst="rect">
+            <a:avLst/>
+          </a:prstGeom>
+          <a:noFill/>
+        </p:spPr>
+        <p:txBody>
+          <a:bodyPr wrap="none" rtlCol="0">
+            <a:spAutoFit/>
+          </a:bodyPr>
+          <a:lstStyle/>
+          <a:p>
+            <a:r>
+              <a:rPr lang="en-US" sz="1200" dirty="0"/>
+              <a:t>GitHub</a:t>
+            </a:r>
+          </a:p>
+        </p:txBody>
+      </p:sp>
+      <p:sp>
+        <p:nvSpPr>
+          <p:cNvPr id="14" name="TextBox 13">
+            <a:extLst>
+              <a:ext uri="{FF2B5EF4-FFF2-40B4-BE49-F238E27FC236}">
+                <a16:creationId xmlns:a16="http://schemas.microsoft.com/office/drawing/2014/main" id="{E106564D-D878-4CFC-AFE2-A7D93EE8B9DD}"/>
+              </a:ext>
+            </a:extLst>
+          </p:cNvPr>
+          <p:cNvSpPr txBox="1"/>
+          <p:nvPr/>
+        </p:nvSpPr>
+        <p:spPr>
+          <a:xfrm>
+            <a:off x="1056997" y="3468736"/>
+            <a:ext cx="346570" cy="276999"/>
+          </a:xfrm>
+          <a:prstGeom prst="rect">
+            <a:avLst/>
+          </a:prstGeom>
+          <a:noFill/>
+        </p:spPr>
+        <p:txBody>
+          <a:bodyPr wrap="none" rtlCol="0">
+            <a:spAutoFit/>
+          </a:bodyPr>
+          <a:lstStyle/>
+          <a:p>
+            <a:r>
+              <a:rPr lang="en-US" sz="1200" dirty="0"/>
+              <a:t>git</a:t>
+            </a:r>
+          </a:p>
+        </p:txBody>
+      </p:sp>
+      <p:pic>
+        <p:nvPicPr>
+          <p:cNvPr id="22" name="Graphic 21" descr="Recycle sign">
+            <a:extLst>
+              <a:ext uri="{FF2B5EF4-FFF2-40B4-BE49-F238E27FC236}">
+                <a16:creationId xmlns:a16="http://schemas.microsoft.com/office/drawing/2014/main" id="{523D4C98-B19A-4CA1-A749-2C557E350109}"/>
+              </a:ext>
+            </a:extLst>
+          </p:cNvPr>
+          <p:cNvPicPr>
+            <a:picLocks noChangeAspect="1"/>
+          </p:cNvPicPr>
+          <p:nvPr/>
+        </p:nvPicPr>
+        <p:blipFill>
+          <a:blip r:embed="rId6">
+            <a:extLst>
+              <a:ext uri="{96DAC541-7B7A-43D3-8B79-37D633B846F1}">
+                <asvg:svgBlip xmlns:asvg="http://schemas.microsoft.com/office/drawing/2016/SVG/main" r:embed="rId7"/>
+              </a:ext>
+            </a:extLst>
+          </a:blip>
+          <a:stretch>
+            <a:fillRect/>
+          </a:stretch>
+        </p:blipFill>
+        <p:spPr>
+          <a:xfrm>
+            <a:off x="817935" y="5070242"/>
+            <a:ext cx="824692" cy="824692"/>
+          </a:xfrm>
+          <a:prstGeom prst="rect">
+            <a:avLst/>
+          </a:prstGeom>
+        </p:spPr>
+      </p:pic>
+      <p:sp>
+        <p:nvSpPr>
+          <p:cNvPr id="24" name="TextBox 23">
+            <a:extLst>
+              <a:ext uri="{FF2B5EF4-FFF2-40B4-BE49-F238E27FC236}">
+                <a16:creationId xmlns:a16="http://schemas.microsoft.com/office/drawing/2014/main" id="{53175D04-FE9D-45E1-AC2A-5DAB6C2C94AA}"/>
+              </a:ext>
+            </a:extLst>
+          </p:cNvPr>
+          <p:cNvSpPr txBox="1"/>
+          <p:nvPr/>
+        </p:nvSpPr>
+        <p:spPr>
+          <a:xfrm>
+            <a:off x="768670" y="5815630"/>
+            <a:ext cx="873957" cy="276999"/>
+          </a:xfrm>
+          <a:prstGeom prst="rect">
+            <a:avLst/>
+          </a:prstGeom>
+          <a:noFill/>
+        </p:spPr>
+        <p:txBody>
+          <a:bodyPr wrap="none" rtlCol="0">
+            <a:spAutoFit/>
+          </a:bodyPr>
+          <a:lstStyle/>
+          <a:p>
+            <a:r>
+              <a:rPr lang="en-US" sz="1200" dirty="0"/>
+              <a:t>Anaconda</a:t>
+            </a:r>
+          </a:p>
+        </p:txBody>
+      </p:sp>
+      <p:pic>
+        <p:nvPicPr>
+          <p:cNvPr id="26" name="Graphic 25" descr="Web design">
+            <a:extLst>
+              <a:ext uri="{FF2B5EF4-FFF2-40B4-BE49-F238E27FC236}">
+                <a16:creationId xmlns:a16="http://schemas.microsoft.com/office/drawing/2014/main" id="{39C37FFA-2795-4E5B-BD27-A1A2121A6493}"/>
+              </a:ext>
+            </a:extLst>
+          </p:cNvPr>
+          <p:cNvPicPr>
+            <a:picLocks noChangeAspect="1"/>
+          </p:cNvPicPr>
+          <p:nvPr/>
+        </p:nvPicPr>
+        <p:blipFill>
+          <a:blip r:embed="rId2">
+            <a:extLst>
+              <a:ext uri="{96DAC541-7B7A-43D3-8B79-37D633B846F1}">
+                <asvg:svgBlip xmlns:asvg="http://schemas.microsoft.com/office/drawing/2016/SVG/main" r:embed="rId3"/>
+              </a:ext>
+            </a:extLst>
+          </a:blip>
+          <a:stretch>
+            <a:fillRect/>
+          </a:stretch>
+        </p:blipFill>
+        <p:spPr>
+          <a:xfrm>
+            <a:off x="6900178" y="1484848"/>
+            <a:ext cx="914400" cy="914400"/>
+          </a:xfrm>
+          <a:prstGeom prst="rect">
+            <a:avLst/>
+          </a:prstGeom>
+        </p:spPr>
+      </p:pic>
+      <p:sp>
+        <p:nvSpPr>
+          <p:cNvPr id="27" name="TextBox 26">
+            <a:extLst>
+              <a:ext uri="{FF2B5EF4-FFF2-40B4-BE49-F238E27FC236}">
+                <a16:creationId xmlns:a16="http://schemas.microsoft.com/office/drawing/2014/main" id="{138E6BA2-32B9-42F3-84F6-B3F027C14435}"/>
+              </a:ext>
+            </a:extLst>
+          </p:cNvPr>
+          <p:cNvSpPr txBox="1"/>
+          <p:nvPr/>
+        </p:nvSpPr>
+        <p:spPr>
+          <a:xfrm>
+            <a:off x="7682745" y="1597403"/>
+            <a:ext cx="883575" cy="646331"/>
+          </a:xfrm>
+          <a:prstGeom prst="rect">
+            <a:avLst/>
+          </a:prstGeom>
+          <a:noFill/>
+        </p:spPr>
+        <p:txBody>
+          <a:bodyPr wrap="none" rtlCol="0">
+            <a:spAutoFit/>
+          </a:bodyPr>
+          <a:lstStyle/>
+          <a:p>
+            <a:r>
+              <a:rPr lang="en-US" sz="1200" dirty="0"/>
+              <a:t>packages,</a:t>
+            </a:r>
+          </a:p>
+          <a:p>
+            <a:r>
+              <a:rPr lang="en-US" sz="1200" dirty="0"/>
+              <a:t>libraries,</a:t>
+            </a:r>
+          </a:p>
+          <a:p>
+            <a:r>
+              <a:rPr lang="en-US" sz="1200" dirty="0"/>
+              <a:t>tools</a:t>
+            </a:r>
+          </a:p>
+        </p:txBody>
+      </p:sp>
+      <p:sp>
+        <p:nvSpPr>
+          <p:cNvPr id="28" name="TextBox 27">
+            <a:extLst>
+              <a:ext uri="{FF2B5EF4-FFF2-40B4-BE49-F238E27FC236}">
+                <a16:creationId xmlns:a16="http://schemas.microsoft.com/office/drawing/2014/main" id="{D0DEC601-CDA5-4CA2-9114-C667E245F5AF}"/>
+              </a:ext>
+            </a:extLst>
+          </p:cNvPr>
+          <p:cNvSpPr txBox="1"/>
+          <p:nvPr/>
+        </p:nvSpPr>
+        <p:spPr>
+          <a:xfrm>
+            <a:off x="911980" y="6003869"/>
+            <a:ext cx="603115" cy="276999"/>
+          </a:xfrm>
+          <a:prstGeom prst="rect">
+            <a:avLst/>
+          </a:prstGeom>
+          <a:noFill/>
+        </p:spPr>
+        <p:txBody>
+          <a:bodyPr wrap="square" rtlCol="0">
+            <a:spAutoFit/>
+          </a:bodyPr>
+          <a:lstStyle/>
+          <a:p>
+            <a:r>
+              <a:rPr lang="en-US" sz="1200" dirty="0" err="1"/>
+              <a:t>conda</a:t>
+            </a:r>
+            <a:endParaRPr lang="en-US" sz="1200" dirty="0"/>
+          </a:p>
+        </p:txBody>
+      </p:sp>
+      <p:pic>
+        <p:nvPicPr>
+          <p:cNvPr id="36" name="Graphic 35" descr="Playbook">
+            <a:extLst>
+              <a:ext uri="{FF2B5EF4-FFF2-40B4-BE49-F238E27FC236}">
+                <a16:creationId xmlns:a16="http://schemas.microsoft.com/office/drawing/2014/main" id="{20541B73-25F9-4B63-BC96-22F3277A6D81}"/>
+              </a:ext>
+            </a:extLst>
+          </p:cNvPr>
+          <p:cNvPicPr>
+            <a:picLocks noChangeAspect="1"/>
+          </p:cNvPicPr>
+          <p:nvPr/>
+        </p:nvPicPr>
+        <p:blipFill>
+          <a:blip r:embed="rId8">
+            <a:extLst>
+              <a:ext uri="{96DAC541-7B7A-43D3-8B79-37D633B846F1}">
+                <asvg:svgBlip xmlns:asvg="http://schemas.microsoft.com/office/drawing/2016/SVG/main" r:embed="rId9"/>
+              </a:ext>
+            </a:extLst>
+          </a:blip>
+          <a:stretch>
+            <a:fillRect/>
+          </a:stretch>
+        </p:blipFill>
+        <p:spPr>
+          <a:xfrm>
+            <a:off x="343459" y="3820378"/>
+            <a:ext cx="870079" cy="870079"/>
+          </a:xfrm>
+          <a:prstGeom prst="rect">
+            <a:avLst/>
+          </a:prstGeom>
+        </p:spPr>
+      </p:pic>
+      <p:pic>
+        <p:nvPicPr>
+          <p:cNvPr id="38" name="Graphic 37" descr="Presentation with bar chart RTL">
+            <a:extLst>
+              <a:ext uri="{FF2B5EF4-FFF2-40B4-BE49-F238E27FC236}">
+                <a16:creationId xmlns:a16="http://schemas.microsoft.com/office/drawing/2014/main" id="{A9C15151-2DD7-49F8-883D-775306ACE081}"/>
+              </a:ext>
+            </a:extLst>
+          </p:cNvPr>
+          <p:cNvPicPr>
+            <a:picLocks noChangeAspect="1"/>
+          </p:cNvPicPr>
+          <p:nvPr/>
+        </p:nvPicPr>
+        <p:blipFill>
+          <a:blip r:embed="rId10">
+            <a:extLst>
+              <a:ext uri="{96DAC541-7B7A-43D3-8B79-37D633B846F1}">
+                <asvg:svgBlip xmlns:asvg="http://schemas.microsoft.com/office/drawing/2016/SVG/main" r:embed="rId11"/>
+              </a:ext>
+            </a:extLst>
+          </a:blip>
+          <a:stretch>
+            <a:fillRect/>
+          </a:stretch>
+        </p:blipFill>
+        <p:spPr>
+          <a:xfrm>
+            <a:off x="1294876" y="3820378"/>
+            <a:ext cx="870079" cy="870079"/>
+          </a:xfrm>
+          <a:prstGeom prst="rect">
+            <a:avLst/>
+          </a:prstGeom>
+        </p:spPr>
+      </p:pic>
+      <p:sp>
+        <p:nvSpPr>
+          <p:cNvPr id="39" name="TextBox 38">
+            <a:extLst>
+              <a:ext uri="{FF2B5EF4-FFF2-40B4-BE49-F238E27FC236}">
+                <a16:creationId xmlns:a16="http://schemas.microsoft.com/office/drawing/2014/main" id="{5BEB55E5-513A-4691-9626-F8B2AAD21C92}"/>
+              </a:ext>
+            </a:extLst>
+          </p:cNvPr>
+          <p:cNvSpPr txBox="1"/>
+          <p:nvPr/>
+        </p:nvSpPr>
+        <p:spPr>
+          <a:xfrm>
+            <a:off x="390574" y="4575502"/>
+            <a:ext cx="824265" cy="276999"/>
+          </a:xfrm>
+          <a:prstGeom prst="rect">
+            <a:avLst/>
+          </a:prstGeom>
+          <a:noFill/>
+        </p:spPr>
+        <p:txBody>
+          <a:bodyPr wrap="none" rtlCol="0">
+            <a:spAutoFit/>
+          </a:bodyPr>
+          <a:lstStyle/>
+          <a:p>
+            <a:r>
+              <a:rPr lang="en-US" sz="1200" dirty="0"/>
+              <a:t>PyCharm</a:t>
+            </a:r>
+          </a:p>
+        </p:txBody>
+      </p:sp>
+      <p:sp>
+        <p:nvSpPr>
+          <p:cNvPr id="40" name="TextBox 39">
+            <a:extLst>
+              <a:ext uri="{FF2B5EF4-FFF2-40B4-BE49-F238E27FC236}">
+                <a16:creationId xmlns:a16="http://schemas.microsoft.com/office/drawing/2014/main" id="{B9FEE008-92F2-4BD8-8B5D-656BB8007D9E}"/>
+              </a:ext>
+            </a:extLst>
+          </p:cNvPr>
+          <p:cNvSpPr txBox="1"/>
+          <p:nvPr/>
+        </p:nvSpPr>
+        <p:spPr>
+          <a:xfrm>
+            <a:off x="1385910" y="4577874"/>
+            <a:ext cx="688009" cy="276999"/>
+          </a:xfrm>
+          <a:prstGeom prst="rect">
+            <a:avLst/>
+          </a:prstGeom>
+          <a:noFill/>
+        </p:spPr>
+        <p:txBody>
+          <a:bodyPr wrap="none" rtlCol="0">
+            <a:spAutoFit/>
+          </a:bodyPr>
+          <a:lstStyle/>
+          <a:p>
+            <a:r>
+              <a:rPr lang="en-US" sz="1200" dirty="0" err="1"/>
+              <a:t>Jupyter</a:t>
+            </a:r>
+            <a:endParaRPr lang="en-US" sz="1200" dirty="0"/>
+          </a:p>
+        </p:txBody>
+      </p:sp>
+      <p:sp>
+        <p:nvSpPr>
+          <p:cNvPr id="54" name="TextBox 53">
+            <a:extLst>
+              <a:ext uri="{FF2B5EF4-FFF2-40B4-BE49-F238E27FC236}">
+                <a16:creationId xmlns:a16="http://schemas.microsoft.com/office/drawing/2014/main" id="{A4C8A117-1CE3-4CF7-A337-D2000B38E73B}"/>
+              </a:ext>
+            </a:extLst>
+          </p:cNvPr>
+          <p:cNvSpPr txBox="1"/>
+          <p:nvPr/>
+        </p:nvSpPr>
+        <p:spPr>
+          <a:xfrm>
+            <a:off x="4572000" y="574080"/>
+            <a:ext cx="3692321" cy="830997"/>
+          </a:xfrm>
+          <a:prstGeom prst="rect">
+            <a:avLst/>
+          </a:prstGeom>
+          <a:noFill/>
+        </p:spPr>
+        <p:txBody>
+          <a:bodyPr wrap="square" rtlCol="0">
+            <a:spAutoFit/>
+          </a:bodyPr>
+          <a:lstStyle/>
+          <a:p>
+            <a:r>
+              <a:rPr lang="en-US" sz="2400" dirty="0"/>
+              <a:t>Development Ecosystem:</a:t>
+            </a:r>
+          </a:p>
+          <a:p>
+            <a:r>
+              <a:rPr lang="en-US" sz="2400" dirty="0"/>
+              <a:t>Tools Defined</a:t>
+            </a:r>
+          </a:p>
+        </p:txBody>
+      </p:sp>
+      <p:sp>
+        <p:nvSpPr>
+          <p:cNvPr id="2" name="TextBox 1">
+            <a:extLst>
+              <a:ext uri="{FF2B5EF4-FFF2-40B4-BE49-F238E27FC236}">
+                <a16:creationId xmlns:a16="http://schemas.microsoft.com/office/drawing/2014/main" id="{F28BB454-5AB7-4A9F-A531-1717CCA81B5A}"/>
+              </a:ext>
+            </a:extLst>
+          </p:cNvPr>
+          <p:cNvSpPr txBox="1"/>
+          <p:nvPr/>
+        </p:nvSpPr>
+        <p:spPr>
+          <a:xfrm>
+            <a:off x="2060409" y="1734421"/>
+            <a:ext cx="4665706" cy="553998"/>
+          </a:xfrm>
+          <a:prstGeom prst="rect">
+            <a:avLst/>
+          </a:prstGeom>
+          <a:noFill/>
+        </p:spPr>
+        <p:txBody>
+          <a:bodyPr wrap="square" rtlCol="0">
+            <a:spAutoFit/>
+          </a:bodyPr>
+          <a:lstStyle/>
+          <a:p>
+            <a:r>
+              <a:rPr lang="en-US" sz="1000" dirty="0"/>
+              <a:t>Programming language used to instantiate logic. Python uses many open source libraries to augment native functionality, including </a:t>
+            </a:r>
+            <a:r>
+              <a:rPr lang="en-US" sz="1000" i="1" dirty="0"/>
+              <a:t>pandas</a:t>
+            </a:r>
+            <a:r>
+              <a:rPr lang="en-US" sz="1000" dirty="0"/>
+              <a:t>, </a:t>
+            </a:r>
+            <a:r>
+              <a:rPr lang="en-US" sz="1000" i="1" dirty="0" err="1"/>
+              <a:t>numpy</a:t>
+            </a:r>
+            <a:r>
+              <a:rPr lang="en-US" sz="1000" dirty="0"/>
+              <a:t>, </a:t>
+            </a:r>
+            <a:r>
+              <a:rPr lang="en-US" sz="1000" i="1" dirty="0" err="1"/>
+              <a:t>scikit</a:t>
+            </a:r>
+            <a:r>
+              <a:rPr lang="en-US" sz="1000" i="1" dirty="0"/>
+              <a:t>-learn</a:t>
+            </a:r>
+            <a:r>
+              <a:rPr lang="en-US" sz="1000" dirty="0"/>
+              <a:t> and much more.</a:t>
+            </a:r>
+          </a:p>
+        </p:txBody>
+      </p:sp>
+      <p:sp>
+        <p:nvSpPr>
+          <p:cNvPr id="37" name="TextBox 36">
+            <a:extLst>
+              <a:ext uri="{FF2B5EF4-FFF2-40B4-BE49-F238E27FC236}">
+                <a16:creationId xmlns:a16="http://schemas.microsoft.com/office/drawing/2014/main" id="{A68CFB48-40F1-4CDA-9B7C-9881024B92AD}"/>
+              </a:ext>
+            </a:extLst>
+          </p:cNvPr>
+          <p:cNvSpPr txBox="1"/>
+          <p:nvPr/>
+        </p:nvSpPr>
+        <p:spPr>
+          <a:xfrm>
+            <a:off x="2073918" y="2777399"/>
+            <a:ext cx="6416111" cy="553998"/>
+          </a:xfrm>
+          <a:prstGeom prst="rect">
+            <a:avLst/>
+          </a:prstGeom>
+          <a:noFill/>
+        </p:spPr>
+        <p:txBody>
+          <a:bodyPr wrap="square" rtlCol="0">
+            <a:spAutoFit/>
+          </a:bodyPr>
+          <a:lstStyle/>
+          <a:p>
+            <a:r>
+              <a:rPr lang="en-US" sz="1000" dirty="0"/>
+              <a:t>GitHub is an online platform used to host and collaborate on code. We can share insights, compare commit messages, and learn more about teams work together. git uses the command-line-interface to communicate with GitHub directly.</a:t>
+            </a:r>
+          </a:p>
+        </p:txBody>
+      </p:sp>
+      <p:sp>
+        <p:nvSpPr>
+          <p:cNvPr id="41" name="TextBox 40">
+            <a:extLst>
+              <a:ext uri="{FF2B5EF4-FFF2-40B4-BE49-F238E27FC236}">
+                <a16:creationId xmlns:a16="http://schemas.microsoft.com/office/drawing/2014/main" id="{63E54C0B-7A4E-4C8E-97E9-536D75C9691E}"/>
+              </a:ext>
+            </a:extLst>
+          </p:cNvPr>
+          <p:cNvSpPr txBox="1"/>
+          <p:nvPr/>
+        </p:nvSpPr>
+        <p:spPr>
+          <a:xfrm>
+            <a:off x="2073918" y="4021504"/>
+            <a:ext cx="6416111" cy="553998"/>
+          </a:xfrm>
+          <a:prstGeom prst="rect">
+            <a:avLst/>
+          </a:prstGeom>
+          <a:noFill/>
+        </p:spPr>
+        <p:txBody>
+          <a:bodyPr wrap="square" rtlCol="0">
+            <a:spAutoFit/>
+          </a:bodyPr>
+          <a:lstStyle/>
+          <a:p>
+            <a:r>
+              <a:rPr lang="en-US" sz="1000" dirty="0"/>
+              <a:t>PyCharm and </a:t>
+            </a:r>
+            <a:r>
+              <a:rPr lang="en-US" sz="1000" dirty="0" err="1"/>
+              <a:t>Jupyter</a:t>
+            </a:r>
+            <a:r>
+              <a:rPr lang="en-US" sz="1000" dirty="0"/>
+              <a:t> are places to develop code. Technically, PyCharm is an IDE (Integrated Development Environment) to help manage bugs, syntax errors and much more. </a:t>
+            </a:r>
+            <a:r>
+              <a:rPr lang="en-US" sz="1000" dirty="0" err="1"/>
+              <a:t>Jupyter</a:t>
+            </a:r>
+            <a:r>
+              <a:rPr lang="en-US" sz="1000" dirty="0"/>
+              <a:t> is an environment best suited for presenting code, by segmenting the code into kernels that can operate independently.</a:t>
+            </a:r>
+          </a:p>
+        </p:txBody>
+      </p:sp>
+      <p:sp>
+        <p:nvSpPr>
+          <p:cNvPr id="43" name="TextBox 42">
+            <a:extLst>
+              <a:ext uri="{FF2B5EF4-FFF2-40B4-BE49-F238E27FC236}">
+                <a16:creationId xmlns:a16="http://schemas.microsoft.com/office/drawing/2014/main" id="{1557A69E-948F-4111-B083-83DF334077F6}"/>
+              </a:ext>
+            </a:extLst>
+          </p:cNvPr>
+          <p:cNvSpPr txBox="1"/>
+          <p:nvPr/>
+        </p:nvSpPr>
+        <p:spPr>
+          <a:xfrm>
+            <a:off x="2060409" y="5329329"/>
+            <a:ext cx="6416111" cy="553998"/>
+          </a:xfrm>
+          <a:prstGeom prst="rect">
+            <a:avLst/>
+          </a:prstGeom>
+          <a:noFill/>
+        </p:spPr>
+        <p:txBody>
+          <a:bodyPr wrap="square" rtlCol="0">
+            <a:spAutoFit/>
+          </a:bodyPr>
+          <a:lstStyle/>
+          <a:p>
+            <a:r>
+              <a:rPr lang="en-US" sz="1000" dirty="0"/>
+              <a:t>Anaconda is a data science platform that streamlines access to a collaborate environment. We use Anaconda to import libraries (and manage their concurrent dependencies), launch </a:t>
+            </a:r>
+            <a:r>
+              <a:rPr lang="en-US" sz="1000" dirty="0" err="1"/>
+              <a:t>Jupyter</a:t>
+            </a:r>
+            <a:r>
+              <a:rPr lang="en-US" sz="1000" dirty="0"/>
+              <a:t> / other IDE’s, and more. </a:t>
+            </a:r>
+            <a:r>
+              <a:rPr lang="en-US" sz="1000" dirty="0" err="1"/>
+              <a:t>Conda</a:t>
+            </a:r>
+            <a:r>
+              <a:rPr lang="en-US" sz="1000" dirty="0"/>
+              <a:t> uses the command-line-interface to communicate with Anaconda. We can save Anaconda </a:t>
+            </a:r>
+            <a:r>
+              <a:rPr lang="en-US" sz="1000" dirty="0" err="1"/>
+              <a:t>envs</a:t>
+            </a:r>
+            <a:r>
+              <a:rPr lang="en-US" sz="1000" dirty="0"/>
+              <a:t> to GitHub.</a:t>
+            </a:r>
+          </a:p>
+        </p:txBody>
+      </p:sp>
+    </p:spTree>
+    <p:extLst>
+      <p:ext uri="{BB962C8B-B14F-4D97-AF65-F5344CB8AC3E}">
+        <p14:creationId xmlns:p14="http://schemas.microsoft.com/office/powerpoint/2010/main" val="2608704536"/>
       </p:ext>
     </p:extLst>
   </p:cSld>
@@ -12862,6 +13682,21 @@
 </file>
 
 <file path=customXml/item1.xml><?xml version="1.0" encoding="utf-8"?>
+<p:properties xmlns:p="http://schemas.microsoft.com/office/2006/metadata/properties" xmlns:xsi="http://www.w3.org/2001/XMLSchema-instance" xmlns:pc="http://schemas.microsoft.com/office/infopath/2007/PartnerControls">
+  <documentManagement/>
+</p:properties>
+</file>
+
+<file path=customXml/item2.xml><?xml version="1.0" encoding="utf-8"?>
+<?mso-contentType ?>
+<FormTemplates xmlns="http://schemas.microsoft.com/sharepoint/v3/contenttype/forms">
+  <Display>DocumentLibraryForm</Display>
+  <Edit>DocumentLibraryForm</Edit>
+  <New>DocumentLibraryForm</New>
+</FormTemplates>
+</file>
+
+<file path=customXml/item3.xml><?xml version="1.0" encoding="utf-8"?>
 <ct:contentTypeSchema xmlns:ct="http://schemas.microsoft.com/office/2006/metadata/contentType" xmlns:ma="http://schemas.microsoft.com/office/2006/metadata/properties/metaAttributes" ct:_="" ma:_="" ma:contentTypeName="Document" ma:contentTypeID="0x01010015C8A8A14C82254A92E42976539E7AC4" ma:contentTypeVersion="4" ma:contentTypeDescription="Create a new document." ma:contentTypeScope="" ma:versionID="fe3c643edf0d90f6290c195ef1ef9f7d">
   <xsd:schema xmlns:xsd="http://www.w3.org/2001/XMLSchema" xmlns:xs="http://www.w3.org/2001/XMLSchema" xmlns:p="http://schemas.microsoft.com/office/2006/metadata/properties" xmlns:ns2="3a10941d-b0ee-4eca-8dcd-202f4fc92788" xmlns:ns3="527c55d2-4f6d-4a2d-bc3e-f6a1f0b520ee" targetNamespace="http://schemas.microsoft.com/office/2006/metadata/properties" ma:root="true" ma:fieldsID="f717ef4ecb6e3ed28e955989ecb8eda5" ns2:_="" ns3:_="">
     <xsd:import namespace="3a10941d-b0ee-4eca-8dcd-202f4fc92788"/>
@@ -13026,22 +13861,32 @@
 </ct:contentTypeSchema>
 </file>
 
-<file path=customXml/item2.xml><?xml version="1.0" encoding="utf-8"?>
-<?mso-contentType ?>
-<FormTemplates xmlns="http://schemas.microsoft.com/sharepoint/v3/contenttype/forms">
-  <Display>DocumentLibraryForm</Display>
-  <Edit>DocumentLibraryForm</Edit>
-  <New>DocumentLibraryForm</New>
-</FormTemplates>
+<file path=customXml/itemProps1.xml><?xml version="1.0" encoding="utf-8"?>
+<ds:datastoreItem xmlns:ds="http://schemas.openxmlformats.org/officeDocument/2006/customXml" ds:itemID="{8C8806A0-C9FB-4325-87F6-5D776A529C8B}">
+  <ds:schemaRefs>
+    <ds:schemaRef ds:uri="http://schemas.microsoft.com/office/2006/documentManagement/types"/>
+    <ds:schemaRef ds:uri="http://purl.org/dc/dcmitype/"/>
+    <ds:schemaRef ds:uri="3a10941d-b0ee-4eca-8dcd-202f4fc92788"/>
+    <ds:schemaRef ds:uri="http://purl.org/dc/elements/1.1/"/>
+    <ds:schemaRef ds:uri="http://schemas.microsoft.com/office/2006/metadata/properties"/>
+    <ds:schemaRef ds:uri="http://purl.org/dc/terms/"/>
+    <ds:schemaRef ds:uri="http://schemas.openxmlformats.org/package/2006/metadata/core-properties"/>
+    <ds:schemaRef ds:uri="http://schemas.microsoft.com/office/infopath/2007/PartnerControls"/>
+    <ds:schemaRef ds:uri="527c55d2-4f6d-4a2d-bc3e-f6a1f0b520ee"/>
+    <ds:schemaRef ds:uri="http://www.w3.org/XML/1998/namespace"/>
+  </ds:schemaRefs>
+</ds:datastoreItem>
 </file>
 
-<file path=customXml/item3.xml><?xml version="1.0" encoding="utf-8"?>
-<p:properties xmlns:p="http://schemas.microsoft.com/office/2006/metadata/properties" xmlns:xsi="http://www.w3.org/2001/XMLSchema-instance" xmlns:pc="http://schemas.microsoft.com/office/infopath/2007/PartnerControls">
-  <documentManagement/>
-</p:properties>
+<file path=customXml/itemProps2.xml><?xml version="1.0" encoding="utf-8"?>
+<ds:datastoreItem xmlns:ds="http://schemas.openxmlformats.org/officeDocument/2006/customXml" ds:itemID="{1EAD8C33-9ADA-4252-840D-B7715E9CB587}">
+  <ds:schemaRefs>
+    <ds:schemaRef ds:uri="http://schemas.microsoft.com/sharepoint/v3/contenttype/forms"/>
+  </ds:schemaRefs>
+</ds:datastoreItem>
 </file>
 
-<file path=customXml/itemProps1.xml><?xml version="1.0" encoding="utf-8"?>
+<file path=customXml/itemProps3.xml><?xml version="1.0" encoding="utf-8"?>
 <ds:datastoreItem xmlns:ds="http://schemas.openxmlformats.org/officeDocument/2006/customXml" ds:itemID="{97CC5D9E-2125-4A9A-A095-6C5237569924}">
   <ds:schemaRefs>
     <ds:schemaRef ds:uri="http://schemas.microsoft.com/office/2006/metadata/contentType"/>
@@ -13058,29 +13903,4 @@
     <ds:schemaRef ds:uri="http://schemas.microsoft.com/internal/obd"/>
   </ds:schemaRefs>
 </ds:datastoreItem>
-</file>
-
-<file path=customXml/itemProps2.xml><?xml version="1.0" encoding="utf-8"?>
-<ds:datastoreItem xmlns:ds="http://schemas.openxmlformats.org/officeDocument/2006/customXml" ds:itemID="{1EAD8C33-9ADA-4252-840D-B7715E9CB587}">
-  <ds:schemaRefs>
-    <ds:schemaRef ds:uri="http://schemas.microsoft.com/sharepoint/v3/contenttype/forms"/>
-  </ds:schemaRefs>
-</ds:datastoreItem>
-</file>
-
-<file path=customXml/itemProps3.xml><?xml version="1.0" encoding="utf-8"?>
-<ds:datastoreItem xmlns:ds="http://schemas.openxmlformats.org/officeDocument/2006/customXml" ds:itemID="{8C8806A0-C9FB-4325-87F6-5D776A529C8B}">
-  <ds:schemaRefs>
-    <ds:schemaRef ds:uri="http://schemas.microsoft.com/office/2006/documentManagement/types"/>
-    <ds:schemaRef ds:uri="http://purl.org/dc/dcmitype/"/>
-    <ds:schemaRef ds:uri="3a10941d-b0ee-4eca-8dcd-202f4fc92788"/>
-    <ds:schemaRef ds:uri="http://purl.org/dc/elements/1.1/"/>
-    <ds:schemaRef ds:uri="http://schemas.microsoft.com/office/2006/metadata/properties"/>
-    <ds:schemaRef ds:uri="http://purl.org/dc/terms/"/>
-    <ds:schemaRef ds:uri="http://schemas.openxmlformats.org/package/2006/metadata/core-properties"/>
-    <ds:schemaRef ds:uri="http://schemas.microsoft.com/office/infopath/2007/PartnerControls"/>
-    <ds:schemaRef ds:uri="527c55d2-4f6d-4a2d-bc3e-f6a1f0b520ee"/>
-    <ds:schemaRef ds:uri="http://www.w3.org/XML/1998/namespace"/>
-  </ds:schemaRefs>
-</ds:datastoreItem>
 </file>